--- a/Step02-CICD_speach.pptx
+++ b/Step02-CICD_speach.pptx
@@ -5801,7 +5801,7 @@
           <a:p>
             <a:fld id="{EABA3F4B-EFF6-45E3-A6AB-4944039E81EC}" type="datetimeFigureOut">
               <a:rPr lang="ru-UA" smtClean="0"/>
-              <a:t>26.01.2024</a:t>
+              <a:t>03.02.2024</a:t>
             </a:fld>
             <a:endParaRPr lang="ru-UA"/>
           </a:p>
@@ -6216,9 +6216,9 @@
           <a:bodyPr/>
           <a:lstStyle/>
           <a:p>
-            <a:fld id="{C75B975F-BA21-4E1C-99B6-ABED30F89540}" type="datetime1">
+            <a:fld id="{9730C21C-67F9-4275-AD05-85631DC48D04}" type="datetime1">
               <a:rPr lang="ru-UA" smtClean="0"/>
-              <a:t>26.01.2024</a:t>
+              <a:t>03.02.2024</a:t>
             </a:fld>
             <a:endParaRPr lang="ru-UA"/>
           </a:p>
@@ -6246,8 +6246,8 @@
           <a:lstStyle/>
           <a:p>
             <a:r>
-              <a:rPr lang="es-ES"/>
-              <a:t>Step 1 - Model - ver. 1</a:t>
+              <a:rPr lang="it-IT"/>
+              <a:t>Step 2. CI/CD- ver. 1</a:t>
             </a:r>
             <a:endParaRPr lang="ru-UA"/>
           </a:p>
@@ -6420,9 +6420,9 @@
           <a:bodyPr/>
           <a:lstStyle/>
           <a:p>
-            <a:fld id="{D66328E5-C855-4166-8AD5-040012BE18D2}" type="datetime1">
+            <a:fld id="{8A48CDC8-81CE-45C7-972A-575BC29F722C}" type="datetime1">
               <a:rPr lang="ru-UA" smtClean="0"/>
-              <a:t>26.01.2024</a:t>
+              <a:t>03.02.2024</a:t>
             </a:fld>
             <a:endParaRPr lang="ru-UA"/>
           </a:p>
@@ -6450,8 +6450,8 @@
           <a:lstStyle/>
           <a:p>
             <a:r>
-              <a:rPr lang="es-ES"/>
-              <a:t>Step 1 - Model - ver. 1</a:t>
+              <a:rPr lang="it-IT"/>
+              <a:t>Step 2. CI/CD- ver. 1</a:t>
             </a:r>
             <a:endParaRPr lang="ru-UA"/>
           </a:p>
@@ -6634,9 +6634,9 @@
           <a:bodyPr/>
           <a:lstStyle/>
           <a:p>
-            <a:fld id="{84DAB8F6-F46E-4246-80EF-DE02354418E7}" type="datetime1">
+            <a:fld id="{51BEBB61-D8DD-4C6A-8246-45A5E6E9B55B}" type="datetime1">
               <a:rPr lang="ru-UA" smtClean="0"/>
-              <a:t>26.01.2024</a:t>
+              <a:t>03.02.2024</a:t>
             </a:fld>
             <a:endParaRPr lang="ru-UA"/>
           </a:p>
@@ -6664,8 +6664,8 @@
           <a:lstStyle/>
           <a:p>
             <a:r>
-              <a:rPr lang="es-ES"/>
-              <a:t>Step 1 - Model - ver. 1</a:t>
+              <a:rPr lang="it-IT"/>
+              <a:t>Step 2. CI/CD- ver. 1</a:t>
             </a:r>
             <a:endParaRPr lang="ru-UA"/>
           </a:p>
@@ -6838,9 +6838,9 @@
           <a:bodyPr/>
           <a:lstStyle/>
           <a:p>
-            <a:fld id="{8467C913-2051-48A1-86F2-D1DABB2E6F13}" type="datetime1">
+            <a:fld id="{166B8B9D-079D-43D6-B80D-64EF9F459843}" type="datetime1">
               <a:rPr lang="ru-UA" smtClean="0"/>
-              <a:t>26.01.2024</a:t>
+              <a:t>03.02.2024</a:t>
             </a:fld>
             <a:endParaRPr lang="ru-UA"/>
           </a:p>
@@ -6868,8 +6868,8 @@
           <a:lstStyle/>
           <a:p>
             <a:r>
-              <a:rPr lang="es-ES"/>
-              <a:t>Step 1 - Model - ver. 1</a:t>
+              <a:rPr lang="it-IT"/>
+              <a:t>Step 2. CI/CD- ver. 1</a:t>
             </a:r>
             <a:endParaRPr lang="ru-UA"/>
           </a:p>
@@ -7118,9 +7118,9 @@
           <a:bodyPr/>
           <a:lstStyle/>
           <a:p>
-            <a:fld id="{4343B6D0-012B-4BC7-8612-51CB74638584}" type="datetime1">
+            <a:fld id="{7E43E621-801E-43CC-802F-F2A9DD6E0011}" type="datetime1">
               <a:rPr lang="ru-UA" smtClean="0"/>
-              <a:t>26.01.2024</a:t>
+              <a:t>03.02.2024</a:t>
             </a:fld>
             <a:endParaRPr lang="ru-UA"/>
           </a:p>
@@ -7148,8 +7148,8 @@
           <a:lstStyle/>
           <a:p>
             <a:r>
-              <a:rPr lang="es-ES"/>
-              <a:t>Step 1 - Model - ver. 1</a:t>
+              <a:rPr lang="it-IT"/>
+              <a:t>Step 2. CI/CD- ver. 1</a:t>
             </a:r>
             <a:endParaRPr lang="ru-UA"/>
           </a:p>
@@ -7390,9 +7390,9 @@
           <a:bodyPr/>
           <a:lstStyle/>
           <a:p>
-            <a:fld id="{DA3001A2-AE52-4B99-AC5B-08EC45DA8AD0}" type="datetime1">
+            <a:fld id="{95A4259F-3CB1-48ED-9F67-8358CB6FCF96}" type="datetime1">
               <a:rPr lang="ru-UA" smtClean="0"/>
-              <a:t>26.01.2024</a:t>
+              <a:t>03.02.2024</a:t>
             </a:fld>
             <a:endParaRPr lang="ru-UA"/>
           </a:p>
@@ -7420,8 +7420,8 @@
           <a:lstStyle/>
           <a:p>
             <a:r>
-              <a:rPr lang="es-ES"/>
-              <a:t>Step 1 - Model - ver. 1</a:t>
+              <a:rPr lang="it-IT"/>
+              <a:t>Step 2. CI/CD- ver. 1</a:t>
             </a:r>
             <a:endParaRPr lang="ru-UA"/>
           </a:p>
@@ -7809,9 +7809,9 @@
           <a:bodyPr/>
           <a:lstStyle/>
           <a:p>
-            <a:fld id="{A27ADE6B-13FE-4183-AA7E-A7D12E19AD4E}" type="datetime1">
+            <a:fld id="{355172B2-6231-40CA-B00A-9462C542C07B}" type="datetime1">
               <a:rPr lang="ru-UA" smtClean="0"/>
-              <a:t>26.01.2024</a:t>
+              <a:t>03.02.2024</a:t>
             </a:fld>
             <a:endParaRPr lang="ru-UA"/>
           </a:p>
@@ -7839,8 +7839,8 @@
           <a:lstStyle/>
           <a:p>
             <a:r>
-              <a:rPr lang="es-ES"/>
-              <a:t>Step 1 - Model - ver. 1</a:t>
+              <a:rPr lang="it-IT"/>
+              <a:t>Step 2. CI/CD- ver. 1</a:t>
             </a:r>
             <a:endParaRPr lang="ru-UA"/>
           </a:p>
@@ -7955,9 +7955,9 @@
           <a:bodyPr/>
           <a:lstStyle/>
           <a:p>
-            <a:fld id="{F2FE09EF-E9B0-47B3-A956-B1218ACEB757}" type="datetime1">
+            <a:fld id="{C0D5E39A-F455-4097-8E52-6350B0AB2AFF}" type="datetime1">
               <a:rPr lang="ru-UA" smtClean="0"/>
-              <a:t>26.01.2024</a:t>
+              <a:t>03.02.2024</a:t>
             </a:fld>
             <a:endParaRPr lang="ru-UA"/>
           </a:p>
@@ -7985,8 +7985,8 @@
           <a:lstStyle/>
           <a:p>
             <a:r>
-              <a:rPr lang="es-ES"/>
-              <a:t>Step 1 - Model - ver. 1</a:t>
+              <a:rPr lang="it-IT"/>
+              <a:t>Step 2. CI/CD- ver. 1</a:t>
             </a:r>
             <a:endParaRPr lang="ru-UA"/>
           </a:p>
@@ -8072,9 +8072,9 @@
           <a:bodyPr/>
           <a:lstStyle/>
           <a:p>
-            <a:fld id="{7C0BA055-DA58-45E6-8246-829A0C23A93B}" type="datetime1">
+            <a:fld id="{73E06B0E-6BA7-42F0-A944-5FD7B83052A0}" type="datetime1">
               <a:rPr lang="ru-UA" smtClean="0"/>
-              <a:t>26.01.2024</a:t>
+              <a:t>03.02.2024</a:t>
             </a:fld>
             <a:endParaRPr lang="ru-UA"/>
           </a:p>
@@ -8102,8 +8102,8 @@
           <a:lstStyle/>
           <a:p>
             <a:r>
-              <a:rPr lang="es-ES"/>
-              <a:t>Step 1 - Model - ver. 1</a:t>
+              <a:rPr lang="it-IT"/>
+              <a:t>Step 2. CI/CD- ver. 1</a:t>
             </a:r>
             <a:endParaRPr lang="ru-UA"/>
           </a:p>
@@ -8389,9 +8389,9 @@
           <a:bodyPr/>
           <a:lstStyle/>
           <a:p>
-            <a:fld id="{6AED41DF-758F-4A6C-8E37-CA28871B2E5A}" type="datetime1">
+            <a:fld id="{E8700700-737C-4DCE-8197-6A0EBF89235C}" type="datetime1">
               <a:rPr lang="ru-UA" smtClean="0"/>
-              <a:t>26.01.2024</a:t>
+              <a:t>03.02.2024</a:t>
             </a:fld>
             <a:endParaRPr lang="ru-UA"/>
           </a:p>
@@ -8419,8 +8419,8 @@
           <a:lstStyle/>
           <a:p>
             <a:r>
-              <a:rPr lang="es-ES"/>
-              <a:t>Step 1 - Model - ver. 1</a:t>
+              <a:rPr lang="it-IT"/>
+              <a:t>Step 2. CI/CD- ver. 1</a:t>
             </a:r>
             <a:endParaRPr lang="ru-UA"/>
           </a:p>
@@ -8682,9 +8682,9 @@
           <a:bodyPr/>
           <a:lstStyle/>
           <a:p>
-            <a:fld id="{B092880E-860C-4927-A378-BCF65DB089C9}" type="datetime1">
+            <a:fld id="{B9E6E6B3-6E82-4815-8087-3607E86AE0C7}" type="datetime1">
               <a:rPr lang="ru-UA" smtClean="0"/>
-              <a:t>26.01.2024</a:t>
+              <a:t>03.02.2024</a:t>
             </a:fld>
             <a:endParaRPr lang="ru-UA"/>
           </a:p>
@@ -8712,8 +8712,8 @@
           <a:lstStyle/>
           <a:p>
             <a:r>
-              <a:rPr lang="es-ES"/>
-              <a:t>Step 1 - Model - ver. 1</a:t>
+              <a:rPr lang="it-IT"/>
+              <a:t>Step 2. CI/CD- ver. 1</a:t>
             </a:r>
             <a:endParaRPr lang="ru-UA"/>
           </a:p>
@@ -8929,9 +8929,9 @@
             </a:lvl1pPr>
           </a:lstStyle>
           <a:p>
-            <a:fld id="{50344D1B-5235-486F-A999-CD74520911B6}" type="datetime1">
+            <a:fld id="{6DE7516A-17D4-43C0-8E03-B4AB8B6F5883}" type="datetime1">
               <a:rPr lang="ru-UA" smtClean="0"/>
-              <a:t>26.01.2024</a:t>
+              <a:t>03.02.2024</a:t>
             </a:fld>
             <a:endParaRPr lang="ru-UA"/>
           </a:p>
@@ -8977,8 +8977,8 @@
           </a:lstStyle>
           <a:p>
             <a:r>
-              <a:rPr lang="es-ES"/>
-              <a:t>Step 1 - Model - ver. 1</a:t>
+              <a:rPr lang="it-IT"/>
+              <a:t>Step 2. CI/CD- ver. 1</a:t>
             </a:r>
             <a:endParaRPr lang="ru-UA"/>
           </a:p>
@@ -9634,14 +9634,14 @@
               </a:spcAft>
             </a:pPr>
             <a:r>
-              <a:rPr lang="es-ES" sz="900">
+              <a:rPr lang="it-IT" sz="900">
                 <a:solidFill>
                   <a:schemeClr val="tx1"/>
                 </a:solidFill>
               </a:rPr>
-              <a:t>Step 1 - Model - ver. 1</a:t>
+              <a:t>Step 2. CI/CD- ver. 1</a:t>
             </a:r>
-            <a:endParaRPr lang="ru-UA" sz="900">
+            <a:endParaRPr lang="ru-UA" sz="900" dirty="0">
               <a:solidFill>
                 <a:schemeClr val="tx1"/>
               </a:solidFill>
@@ -9959,12 +9959,12 @@
               </a:spcAft>
             </a:pPr>
             <a:r>
-              <a:rPr lang="es-ES" sz="900">
+              <a:rPr lang="it-IT" sz="900">
                 <a:solidFill>
                   <a:schemeClr val="bg1"/>
                 </a:solidFill>
               </a:rPr>
-              <a:t>Step 1 - Model - ver. 1</a:t>
+              <a:t>Step 2. CI/CD- ver. 1</a:t>
             </a:r>
             <a:endParaRPr lang="ru-UA" sz="900">
               <a:solidFill>
@@ -10252,12 +10252,12 @@
               </a:spcAft>
             </a:pPr>
             <a:r>
-              <a:rPr lang="es-ES" sz="900">
+              <a:rPr lang="it-IT" sz="900">
                 <a:solidFill>
                   <a:schemeClr val="bg1"/>
                 </a:solidFill>
               </a:rPr>
-              <a:t>Step 1 - Model - ver. 1</a:t>
+              <a:t>Step 2. CI/CD- ver. 1</a:t>
             </a:r>
             <a:endParaRPr lang="ru-UA" sz="900">
               <a:solidFill>
@@ -10529,8 +10529,8 @@
           <a:lstStyle/>
           <a:p>
             <a:r>
-              <a:rPr lang="es-ES"/>
-              <a:t>Step 1 - Model - ver. 1</a:t>
+              <a:rPr lang="it-IT"/>
+              <a:t>Step 2. CI/CD- ver. 1</a:t>
             </a:r>
             <a:endParaRPr lang="ru-UA"/>
           </a:p>
@@ -10831,7 +10831,7 @@
               </a:spcAft>
             </a:pPr>
             <a:r>
-              <a:rPr lang="en-US" kern="1200">
+              <a:rPr lang="it-IT" kern="1200">
                 <a:solidFill>
                   <a:schemeClr val="tx1">
                     <a:alpha val="80000"/>
@@ -10841,8 +10841,18 @@
                 <a:ea typeface="+mn-ea"/>
                 <a:cs typeface="+mn-cs"/>
               </a:rPr>
-              <a:t>Step 1 - Model - ver. 1</a:t>
+              <a:t>Step 2. CI/CD- ver. 1</a:t>
             </a:r>
+            <a:endParaRPr lang="en-US" kern="1200">
+              <a:solidFill>
+                <a:schemeClr val="tx1">
+                  <a:alpha val="80000"/>
+                </a:schemeClr>
+              </a:solidFill>
+              <a:latin typeface="+mn-lt"/>
+              <a:ea typeface="+mn-ea"/>
+              <a:cs typeface="+mn-cs"/>
+            </a:endParaRPr>
           </a:p>
         </p:txBody>
       </p:sp>
@@ -11105,7 +11115,7 @@
               </a:spcAft>
             </a:pPr>
             <a:r>
-              <a:rPr lang="en-US" kern="1200">
+              <a:rPr lang="it-IT" kern="1200">
                 <a:solidFill>
                   <a:schemeClr val="tx1">
                     <a:alpha val="80000"/>
@@ -11115,8 +11125,18 @@
                 <a:ea typeface="+mn-ea"/>
                 <a:cs typeface="+mn-cs"/>
               </a:rPr>
-              <a:t>Step 1 - Model - ver. 1</a:t>
+              <a:t>Step 2. CI/CD- ver. 1</a:t>
             </a:r>
+            <a:endParaRPr lang="en-US" kern="1200">
+              <a:solidFill>
+                <a:schemeClr val="tx1">
+                  <a:alpha val="80000"/>
+                </a:schemeClr>
+              </a:solidFill>
+              <a:latin typeface="+mn-lt"/>
+              <a:ea typeface="+mn-ea"/>
+              <a:cs typeface="+mn-cs"/>
+            </a:endParaRPr>
           </a:p>
         </p:txBody>
       </p:sp>
@@ -11373,7 +11393,7 @@
               </a:spcAft>
             </a:pPr>
             <a:r>
-              <a:rPr lang="en-US" kern="1200">
+              <a:rPr lang="it-IT" kern="1200">
                 <a:solidFill>
                   <a:schemeClr val="tx1">
                     <a:alpha val="80000"/>
@@ -11383,8 +11403,18 @@
                 <a:ea typeface="+mn-ea"/>
                 <a:cs typeface="+mn-cs"/>
               </a:rPr>
-              <a:t>Step 1 - Model - ver. 1</a:t>
+              <a:t>Step 2. CI/CD- ver. 1</a:t>
             </a:r>
+            <a:endParaRPr lang="en-US" kern="1200">
+              <a:solidFill>
+                <a:schemeClr val="tx1">
+                  <a:alpha val="80000"/>
+                </a:schemeClr>
+              </a:solidFill>
+              <a:latin typeface="+mn-lt"/>
+              <a:ea typeface="+mn-ea"/>
+              <a:cs typeface="+mn-cs"/>
+            </a:endParaRPr>
           </a:p>
         </p:txBody>
       </p:sp>
@@ -11645,7 +11675,7 @@
               </a:spcAft>
             </a:pPr>
             <a:r>
-              <a:rPr lang="en-US" kern="1200">
+              <a:rPr lang="it-IT" kern="1200">
                 <a:solidFill>
                   <a:schemeClr val="tx1">
                     <a:alpha val="80000"/>
@@ -11655,8 +11685,18 @@
                 <a:ea typeface="+mn-ea"/>
                 <a:cs typeface="+mn-cs"/>
               </a:rPr>
-              <a:t>Step 1 - Model - ver. 1</a:t>
+              <a:t>Step 2. CI/CD- ver. 1</a:t>
             </a:r>
+            <a:endParaRPr lang="en-US" kern="1200">
+              <a:solidFill>
+                <a:schemeClr val="tx1">
+                  <a:alpha val="80000"/>
+                </a:schemeClr>
+              </a:solidFill>
+              <a:latin typeface="+mn-lt"/>
+              <a:ea typeface="+mn-ea"/>
+              <a:cs typeface="+mn-cs"/>
+            </a:endParaRPr>
           </a:p>
         </p:txBody>
       </p:sp>
@@ -11962,7 +12002,7 @@
               </a:spcAft>
             </a:pPr>
             <a:r>
-              <a:rPr lang="en-US" kern="1200">
+              <a:rPr lang="it-IT" kern="1200">
                 <a:solidFill>
                   <a:schemeClr val="tx1">
                     <a:alpha val="80000"/>
@@ -11972,8 +12012,18 @@
                 <a:ea typeface="+mn-ea"/>
                 <a:cs typeface="+mn-cs"/>
               </a:rPr>
-              <a:t>Step 1 - Model - ver. 1</a:t>
+              <a:t>Step 2. CI/CD- ver. 1</a:t>
             </a:r>
+            <a:endParaRPr lang="en-US" kern="1200">
+              <a:solidFill>
+                <a:schemeClr val="tx1">
+                  <a:alpha val="80000"/>
+                </a:schemeClr>
+              </a:solidFill>
+              <a:latin typeface="+mn-lt"/>
+              <a:ea typeface="+mn-ea"/>
+              <a:cs typeface="+mn-cs"/>
+            </a:endParaRPr>
           </a:p>
         </p:txBody>
       </p:sp>
